--- a/PPT_dafa/XiaoJuJi.pptx
+++ b/PPT_dafa/XiaoJuJi.pptx
@@ -113,6 +113,11 @@
       </a:defRPr>
     </a:lvl9pPr>
   </p:defaultTextStyle>
+  <p:extLst>
+    <p:ext uri="{EFAFB233-063F-42B5-8137-9DF3F51BA10A}">
+      <p15:sldGuideLst xmlns:p15="http://schemas.microsoft.com/office/powerpoint/2012/main"/>
+    </p:ext>
+  </p:extLst>
 </p:presentation>
 </file>
 
@@ -3056,7 +3061,7 @@
         </p:blipFill>
         <p:spPr>
           <a:xfrm>
-            <a:off x="0" y="-32298"/>
+            <a:off x="0" y="0"/>
             <a:ext cx="12192000" cy="6890298"/>
           </a:xfrm>
           <a:prstGeom prst="rect">
@@ -3203,7 +3208,7 @@
         </p:nvSpPr>
         <p:spPr>
           <a:xfrm rot="10800000" flipV="1">
-            <a:off x="4763245" y="4421686"/>
+            <a:off x="5068045" y="4460875"/>
             <a:ext cx="1516144" cy="646331"/>
           </a:xfrm>
           <a:prstGeom prst="rect">
@@ -3431,6 +3436,45 @@
                       </p:childTnLst>
                     </p:cTn>
                   </p:par>
+                  <p:par>
+                    <p:cTn id="17" fill="hold">
+                      <p:stCondLst>
+                        <p:cond delay="indefinite"/>
+                      </p:stCondLst>
+                      <p:childTnLst>
+                        <p:par>
+                          <p:cTn id="18" fill="hold">
+                            <p:stCondLst>
+                              <p:cond delay="0"/>
+                            </p:stCondLst>
+                            <p:childTnLst>
+                              <p:par>
+                                <p:cTn id="19" presetID="0" presetClass="path" presetSubtype="0" accel="50000" decel="50000" fill="hold" nodeType="clickEffect">
+                                  <p:stCondLst>
+                                    <p:cond delay="0"/>
+                                  </p:stCondLst>
+                                  <p:childTnLst>
+                                    <p:animMotion origin="layout" path="M 0.00443 -0.00162 L 0.20794 -0.83588 " pathEditMode="relative" ptsTypes="AA">
+                                      <p:cBhvr>
+                                        <p:cTn id="20" dur="2000" fill="hold"/>
+                                        <p:tgtEl>
+                                          <p:spTgt spid="8"/>
+                                        </p:tgtEl>
+                                        <p:attrNameLst>
+                                          <p:attrName>ppt_x</p:attrName>
+                                          <p:attrName>ppt_y</p:attrName>
+                                        </p:attrNameLst>
+                                      </p:cBhvr>
+                                    </p:animMotion>
+                                  </p:childTnLst>
+                                </p:cTn>
+                              </p:par>
+                            </p:childTnLst>
+                          </p:cTn>
+                        </p:par>
+                      </p:childTnLst>
+                    </p:cTn>
+                  </p:par>
                 </p:childTnLst>
               </p:cTn>
               <p:prevCondLst>
@@ -3780,7 +3824,7 @@
                                       <p:cBhvr>
                                         <p:cTn id="6" dur="1" fill="hold">
                                           <p:stCondLst>
-                                            <p:cond delay="0"/>
+                                            <p:cond delay="249"/>
                                           </p:stCondLst>
                                         </p:cTn>
                                         <p:tgtEl>
@@ -3797,35 +3841,17 @@
                                   </p:childTnLst>
                                 </p:cTn>
                               </p:par>
-                            </p:childTnLst>
-                          </p:cTn>
-                        </p:par>
-                      </p:childTnLst>
-                    </p:cTn>
-                  </p:par>
-                  <p:par>
-                    <p:cTn id="7" fill="hold">
-                      <p:stCondLst>
-                        <p:cond delay="indefinite"/>
-                      </p:stCondLst>
-                      <p:childTnLst>
-                        <p:par>
-                          <p:cTn id="8" fill="hold">
-                            <p:stCondLst>
-                              <p:cond delay="0"/>
-                            </p:stCondLst>
-                            <p:childTnLst>
                               <p:par>
-                                <p:cTn id="9" presetID="1" presetClass="exit" presetSubtype="0" fill="hold" grpId="1" nodeType="clickEffect">
+                                <p:cTn id="7" presetID="1" presetClass="exit" presetSubtype="0" fill="hold" grpId="1" nodeType="withEffect">
                                   <p:stCondLst>
-                                    <p:cond delay="0"/>
+                                    <p:cond delay="1000"/>
                                   </p:stCondLst>
                                   <p:childTnLst>
                                     <p:set>
                                       <p:cBhvr>
-                                        <p:cTn id="10" dur="1" fill="hold">
+                                        <p:cTn id="8" dur="1" fill="hold">
                                           <p:stCondLst>
-                                            <p:cond delay="0"/>
+                                            <p:cond delay="1749"/>
                                           </p:stCondLst>
                                         </p:cTn>
                                         <p:tgtEl>
@@ -3842,33 +3868,15 @@
                                   </p:childTnLst>
                                 </p:cTn>
                               </p:par>
-                            </p:childTnLst>
-                          </p:cTn>
-                        </p:par>
-                      </p:childTnLst>
-                    </p:cTn>
-                  </p:par>
-                  <p:par>
-                    <p:cTn id="11" fill="hold">
-                      <p:stCondLst>
-                        <p:cond delay="indefinite"/>
-                      </p:stCondLst>
-                      <p:childTnLst>
-                        <p:par>
-                          <p:cTn id="12" fill="hold">
-                            <p:stCondLst>
-                              <p:cond delay="0"/>
-                            </p:stCondLst>
-                            <p:childTnLst>
                               <p:par>
-                                <p:cTn id="13" presetID="22" presetClass="entr" presetSubtype="4" fill="hold" nodeType="clickEffect">
+                                <p:cTn id="9" presetID="22" presetClass="entr" presetSubtype="4" fill="hold" nodeType="withEffect">
                                   <p:stCondLst>
-                                    <p:cond delay="0"/>
+                                    <p:cond delay="1000"/>
                                   </p:stCondLst>
                                   <p:childTnLst>
                                     <p:set>
                                       <p:cBhvr>
-                                        <p:cTn id="14" dur="1" fill="hold">
+                                        <p:cTn id="10" dur="1" fill="hold">
                                           <p:stCondLst>
                                             <p:cond delay="0"/>
                                           </p:stCondLst>
@@ -3886,7 +3894,7 @@
                                     </p:set>
                                     <p:animEffect transition="in" filter="wipe(down)">
                                       <p:cBhvr>
-                                        <p:cTn id="15" dur="500"/>
+                                        <p:cTn id="11" dur="100"/>
                                         <p:tgtEl>
                                           <p:spTgt spid="5"/>
                                         </p:tgtEl>
@@ -3896,14 +3904,14 @@
                                 </p:cTn>
                               </p:par>
                               <p:par>
-                                <p:cTn id="16" presetID="22" presetClass="entr" presetSubtype="4" fill="hold" nodeType="withEffect">
+                                <p:cTn id="12" presetID="22" presetClass="entr" presetSubtype="4" fill="hold" nodeType="withEffect">
                                   <p:stCondLst>
-                                    <p:cond delay="0"/>
+                                    <p:cond delay="1000"/>
                                   </p:stCondLst>
                                   <p:childTnLst>
                                     <p:set>
                                       <p:cBhvr>
-                                        <p:cTn id="17" dur="1" fill="hold">
+                                        <p:cTn id="13" dur="1" fill="hold">
                                           <p:stCondLst>
                                             <p:cond delay="0"/>
                                           </p:stCondLst>
@@ -3921,7 +3929,7 @@
                                     </p:set>
                                     <p:animEffect transition="in" filter="wipe(down)">
                                       <p:cBhvr>
-                                        <p:cTn id="18" dur="500"/>
+                                        <p:cTn id="14" dur="500"/>
                                         <p:tgtEl>
                                           <p:spTgt spid="9"/>
                                         </p:tgtEl>
@@ -3931,14 +3939,14 @@
                                 </p:cTn>
                               </p:par>
                               <p:par>
-                                <p:cTn id="19" presetID="22" presetClass="entr" presetSubtype="4" fill="hold" nodeType="withEffect">
+                                <p:cTn id="15" presetID="22" presetClass="entr" presetSubtype="4" fill="hold" nodeType="withEffect">
                                   <p:stCondLst>
-                                    <p:cond delay="0"/>
+                                    <p:cond delay="1000"/>
                                   </p:stCondLst>
                                   <p:childTnLst>
                                     <p:set>
                                       <p:cBhvr>
-                                        <p:cTn id="20" dur="1" fill="hold">
+                                        <p:cTn id="16" dur="1" fill="hold">
                                           <p:stCondLst>
                                             <p:cond delay="0"/>
                                           </p:stCondLst>
@@ -3956,7 +3964,7 @@
                                     </p:set>
                                     <p:animEffect transition="in" filter="wipe(down)">
                                       <p:cBhvr>
-                                        <p:cTn id="21" dur="500"/>
+                                        <p:cTn id="17" dur="500"/>
                                         <p:tgtEl>
                                           <p:spTgt spid="6"/>
                                         </p:tgtEl>
@@ -3965,33 +3973,15 @@
                                   </p:childTnLst>
                                 </p:cTn>
                               </p:par>
-                            </p:childTnLst>
-                          </p:cTn>
-                        </p:par>
-                      </p:childTnLst>
-                    </p:cTn>
-                  </p:par>
-                  <p:par>
-                    <p:cTn id="22" fill="hold">
-                      <p:stCondLst>
-                        <p:cond delay="indefinite"/>
-                      </p:stCondLst>
-                      <p:childTnLst>
-                        <p:par>
-                          <p:cTn id="23" fill="hold">
-                            <p:stCondLst>
-                              <p:cond delay="0"/>
-                            </p:stCondLst>
-                            <p:childTnLst>
                               <p:par>
-                                <p:cTn id="24" presetID="0" presetClass="path" presetSubtype="0" accel="50000" decel="50000" fill="hold" nodeType="clickEffect">
+                                <p:cTn id="18" presetID="0" presetClass="path" presetSubtype="0" accel="50000" decel="50000" fill="hold" nodeType="withEffect">
                                   <p:stCondLst>
-                                    <p:cond delay="0"/>
+                                    <p:cond delay="1000"/>
                                   </p:stCondLst>
                                   <p:childTnLst>
                                     <p:animMotion origin="layout" path="M 0.00665 -0.00139 L -0.21835 -0.08102 " pathEditMode="relative" ptsTypes="AA">
                                       <p:cBhvr>
-                                        <p:cTn id="25" dur="4000" fill="hold"/>
+                                        <p:cTn id="19" dur="4000" fill="hold"/>
                                         <p:tgtEl>
                                           <p:spTgt spid="6"/>
                                         </p:tgtEl>
@@ -4259,8 +4249,8 @@
         </p:nvSpPr>
         <p:spPr>
           <a:xfrm rot="10800000" flipV="1">
-            <a:off x="7485443" y="2198143"/>
-            <a:ext cx="1473645" cy="646331"/>
+            <a:off x="7485443" y="1921145"/>
+            <a:ext cx="1473645" cy="1200329"/>
           </a:xfrm>
           <a:prstGeom prst="rect">
             <a:avLst/>
@@ -4305,7 +4295,51 @@
                 <a:ea typeface="微软雅黑" panose="020B0503020204020204" pitchFamily="34" charset="-122"/>
                 <a:cs typeface="Times New Roman" panose="02020603050405020304" pitchFamily="18" charset="0"/>
               </a:rPr>
-              <a:t>伤情：</a:t>
+              <a:t>伤情</a:t>
+            </a:r>
+            <a:r>
+              <a:rPr lang="zh-CN" altLang="en-US" b="1" kern="100" dirty="0" smtClean="0">
+                <a:latin typeface="微软雅黑" panose="020B0503020204020204" pitchFamily="34" charset="-122"/>
+                <a:ea typeface="微软雅黑" panose="020B0503020204020204" pitchFamily="34" charset="-122"/>
+                <a:cs typeface="Times New Roman" panose="02020603050405020304" pitchFamily="18" charset="0"/>
+              </a:rPr>
+              <a:t>：</a:t>
+            </a:r>
+            <a:endParaRPr lang="en-US" altLang="zh-CN" b="1" kern="100" dirty="0" smtClean="0">
+              <a:latin typeface="微软雅黑" panose="020B0503020204020204" pitchFamily="34" charset="-122"/>
+              <a:ea typeface="微软雅黑" panose="020B0503020204020204" pitchFamily="34" charset="-122"/>
+              <a:cs typeface="Times New Roman" panose="02020603050405020304" pitchFamily="18" charset="0"/>
+            </a:endParaRPr>
+          </a:p>
+          <a:p>
+            <a:pPr>
+              <a:defRPr/>
+            </a:pPr>
+            <a:r>
+              <a:rPr lang="zh-CN" altLang="en-US" b="1" kern="100" dirty="0" smtClean="0">
+                <a:latin typeface="微软雅黑" panose="020B0503020204020204" pitchFamily="34" charset="-122"/>
+                <a:ea typeface="微软雅黑" panose="020B0503020204020204" pitchFamily="34" charset="-122"/>
+                <a:cs typeface="Times New Roman" panose="02020603050405020304" pitchFamily="18" charset="0"/>
+              </a:rPr>
+              <a:t>病人情况：</a:t>
+            </a:r>
+            <a:endParaRPr lang="en-US" altLang="zh-CN" b="1" kern="100" dirty="0" smtClean="0">
+              <a:latin typeface="微软雅黑" panose="020B0503020204020204" pitchFamily="34" charset="-122"/>
+              <a:ea typeface="微软雅黑" panose="020B0503020204020204" pitchFamily="34" charset="-122"/>
+              <a:cs typeface="Times New Roman" panose="02020603050405020304" pitchFamily="18" charset="0"/>
+            </a:endParaRPr>
+          </a:p>
+          <a:p>
+            <a:pPr>
+              <a:defRPr/>
+            </a:pPr>
+            <a:r>
+              <a:rPr lang="zh-CN" altLang="en-US" b="1" kern="100" dirty="0" smtClean="0">
+                <a:latin typeface="微软雅黑" panose="020B0503020204020204" pitchFamily="34" charset="-122"/>
+                <a:ea typeface="微软雅黑" panose="020B0503020204020204" pitchFamily="34" charset="-122"/>
+                <a:cs typeface="Times New Roman" panose="02020603050405020304" pitchFamily="18" charset="0"/>
+              </a:rPr>
+              <a:t>到院准备</a:t>
             </a:r>
             <a:endParaRPr lang="en-US" altLang="zh-CN" b="1" kern="100" dirty="0" smtClean="0">
               <a:latin typeface="微软雅黑" panose="020B0503020204020204" pitchFamily="34" charset="-122"/>
@@ -4646,8 +4680,8 @@
         </p:blipFill>
         <p:spPr>
           <a:xfrm>
-            <a:off x="0" y="-109457"/>
-            <a:ext cx="12192000" cy="6967457"/>
+            <a:off x="0" y="0"/>
+            <a:ext cx="12192000" cy="6858000"/>
           </a:xfrm>
           <a:prstGeom prst="rect">
             <a:avLst/>
@@ -5954,47 +5988,9 @@
           <a:chExt cx="0" cy="0"/>
         </a:xfrm>
       </p:grpSpPr>
-      <p:sp>
-        <p:nvSpPr>
-          <p:cNvPr id="2" name="标题 1"/>
-          <p:cNvSpPr>
-            <a:spLocks noGrp="1"/>
-          </p:cNvSpPr>
-          <p:nvPr>
-            <p:ph type="ctrTitle"/>
-          </p:nvPr>
-        </p:nvSpPr>
-        <p:spPr/>
-        <p:txBody>
-          <a:bodyPr/>
-          <a:lstStyle/>
-          <a:p>
-            <a:endParaRPr lang="zh-CN" altLang="en-US"/>
-          </a:p>
-        </p:txBody>
-      </p:sp>
-      <p:sp>
-        <p:nvSpPr>
-          <p:cNvPr id="3" name="副标题 2"/>
-          <p:cNvSpPr>
-            <a:spLocks noGrp="1"/>
-          </p:cNvSpPr>
-          <p:nvPr>
-            <p:ph type="subTitle" idx="1"/>
-          </p:nvPr>
-        </p:nvSpPr>
-        <p:spPr/>
-        <p:txBody>
-          <a:bodyPr/>
-          <a:lstStyle/>
-          <a:p>
-            <a:endParaRPr lang="zh-CN" altLang="en-US"/>
-          </a:p>
-        </p:txBody>
-      </p:sp>
       <p:pic>
         <p:nvPicPr>
-          <p:cNvPr id="4" name="图片 3"/>
+          <p:cNvPr id="19" name="图片 18"/>
           <p:cNvPicPr>
             <a:picLocks noChangeAspect="1"/>
           </p:cNvPicPr>
@@ -6014,8 +6010,8 @@
         </p:blipFill>
         <p:spPr>
           <a:xfrm>
-            <a:off x="0" y="-109457"/>
-            <a:ext cx="12192000" cy="6967457"/>
+            <a:off x="0" y="0"/>
+            <a:ext cx="12192000" cy="6858000"/>
           </a:xfrm>
           <a:prstGeom prst="rect">
             <a:avLst/>
@@ -6486,7 +6482,7 @@
                             </p:stCondLst>
                             <p:childTnLst>
                               <p:par>
-                                <p:cTn id="5" presetID="1" presetClass="entr" presetSubtype="0" fill="hold" nodeType="clickEffect">
+                                <p:cTn id="5" presetID="45" presetClass="entr" presetSubtype="0" fill="hold" nodeType="clickEffect">
                                   <p:stCondLst>
                                     <p:cond delay="0"/>
                                   </p:stCondLst>
@@ -6509,135 +6505,9 @@
                                         <p:strVal val="visible"/>
                                       </p:to>
                                     </p:set>
-                                  </p:childTnLst>
-                                </p:cTn>
-                              </p:par>
-                              <p:par>
-                                <p:cTn id="7" presetID="1" presetClass="entr" presetSubtype="0" fill="hold" nodeType="withEffect">
-                                  <p:stCondLst>
-                                    <p:cond delay="0"/>
-                                  </p:stCondLst>
-                                  <p:childTnLst>
-                                    <p:set>
-                                      <p:cBhvr>
-                                        <p:cTn id="8" dur="1" fill="hold">
-                                          <p:stCondLst>
-                                            <p:cond delay="0"/>
-                                          </p:stCondLst>
-                                        </p:cTn>
-                                        <p:tgtEl>
-                                          <p:spTgt spid="10"/>
-                                        </p:tgtEl>
-                                        <p:attrNameLst>
-                                          <p:attrName>style.visibility</p:attrName>
-                                        </p:attrNameLst>
-                                      </p:cBhvr>
-                                      <p:to>
-                                        <p:strVal val="visible"/>
-                                      </p:to>
-                                    </p:set>
-                                  </p:childTnLst>
-                                </p:cTn>
-                              </p:par>
-                              <p:par>
-                                <p:cTn id="9" presetID="1" presetClass="entr" presetSubtype="0" fill="hold" nodeType="withEffect">
-                                  <p:stCondLst>
-                                    <p:cond delay="0"/>
-                                  </p:stCondLst>
-                                  <p:childTnLst>
-                                    <p:set>
-                                      <p:cBhvr>
-                                        <p:cTn id="10" dur="1" fill="hold">
-                                          <p:stCondLst>
-                                            <p:cond delay="0"/>
-                                          </p:stCondLst>
-                                        </p:cTn>
-                                        <p:tgtEl>
-                                          <p:spTgt spid="13"/>
-                                        </p:tgtEl>
-                                        <p:attrNameLst>
-                                          <p:attrName>style.visibility</p:attrName>
-                                        </p:attrNameLst>
-                                      </p:cBhvr>
-                                      <p:to>
-                                        <p:strVal val="visible"/>
-                                      </p:to>
-                                    </p:set>
-                                  </p:childTnLst>
-                                </p:cTn>
-                              </p:par>
-                              <p:par>
-                                <p:cTn id="11" presetID="1" presetClass="entr" presetSubtype="0" fill="hold" nodeType="withEffect">
-                                  <p:stCondLst>
-                                    <p:cond delay="0"/>
-                                  </p:stCondLst>
-                                  <p:childTnLst>
-                                    <p:set>
-                                      <p:cBhvr>
-                                        <p:cTn id="12" dur="1" fill="hold">
-                                          <p:stCondLst>
-                                            <p:cond delay="0"/>
-                                          </p:stCondLst>
-                                        </p:cTn>
-                                        <p:tgtEl>
-                                          <p:spTgt spid="15"/>
-                                        </p:tgtEl>
-                                        <p:attrNameLst>
-                                          <p:attrName>style.visibility</p:attrName>
-                                        </p:attrNameLst>
-                                      </p:cBhvr>
-                                      <p:to>
-                                        <p:strVal val="visible"/>
-                                      </p:to>
-                                    </p:set>
-                                  </p:childTnLst>
-                                </p:cTn>
-                              </p:par>
-                            </p:childTnLst>
-                          </p:cTn>
-                        </p:par>
-                      </p:childTnLst>
-                    </p:cTn>
-                  </p:par>
-                  <p:par>
-                    <p:cTn id="13" fill="hold">
-                      <p:stCondLst>
-                        <p:cond delay="indefinite"/>
-                      </p:stCondLst>
-                      <p:childTnLst>
-                        <p:par>
-                          <p:cTn id="14" fill="hold">
-                            <p:stCondLst>
-                              <p:cond delay="0"/>
-                            </p:stCondLst>
-                            <p:childTnLst>
-                              <p:par>
-                                <p:cTn id="15" presetID="45" presetClass="entr" presetSubtype="0" fill="hold" nodeType="clickEffect">
-                                  <p:stCondLst>
-                                    <p:cond delay="0"/>
-                                  </p:stCondLst>
-                                  <p:childTnLst>
-                                    <p:set>
-                                      <p:cBhvr>
-                                        <p:cTn id="16" dur="1" fill="hold">
-                                          <p:stCondLst>
-                                            <p:cond delay="0"/>
-                                          </p:stCondLst>
-                                        </p:cTn>
-                                        <p:tgtEl>
-                                          <p:spTgt spid="12"/>
-                                        </p:tgtEl>
-                                        <p:attrNameLst>
-                                          <p:attrName>style.visibility</p:attrName>
-                                        </p:attrNameLst>
-                                      </p:cBhvr>
-                                      <p:to>
-                                        <p:strVal val="visible"/>
-                                      </p:to>
-                                    </p:set>
                                     <p:animEffect transition="in" filter="fade">
                                       <p:cBhvr>
-                                        <p:cTn id="17" dur="2000"/>
+                                        <p:cTn id="7" dur="2000"/>
                                         <p:tgtEl>
                                           <p:spTgt spid="12"/>
                                         </p:tgtEl>
@@ -6645,7 +6515,7 @@
                                     </p:animEffect>
                                     <p:anim calcmode="lin" valueType="num">
                                       <p:cBhvr>
-                                        <p:cTn id="18" dur="2000" fill="hold"/>
+                                        <p:cTn id="8" dur="2000" fill="hold"/>
                                         <p:tgtEl>
                                           <p:spTgt spid="12"/>
                                         </p:tgtEl>
@@ -6668,9 +6538,171 @@
                                     </p:anim>
                                     <p:anim calcmode="lin" valueType="num">
                                       <p:cBhvr>
+                                        <p:cTn id="9" dur="2000" fill="hold"/>
+                                        <p:tgtEl>
+                                          <p:spTgt spid="12"/>
+                                        </p:tgtEl>
+                                        <p:attrNameLst>
+                                          <p:attrName>ppt_h</p:attrName>
+                                        </p:attrNameLst>
+                                      </p:cBhvr>
+                                      <p:tavLst>
+                                        <p:tav tm="0">
+                                          <p:val>
+                                            <p:strVal val="#ppt_h"/>
+                                          </p:val>
+                                        </p:tav>
+                                        <p:tav tm="100000">
+                                          <p:val>
+                                            <p:strVal val="#ppt_h"/>
+                                          </p:val>
+                                        </p:tav>
+                                      </p:tavLst>
+                                    </p:anim>
+                                  </p:childTnLst>
+                                </p:cTn>
+                              </p:par>
+                              <p:par>
+                                <p:cTn id="10" presetID="45" presetClass="entr" presetSubtype="0" fill="hold" nodeType="withEffect">
+                                  <p:stCondLst>
+                                    <p:cond delay="0"/>
+                                  </p:stCondLst>
+                                  <p:childTnLst>
+                                    <p:set>
+                                      <p:cBhvr>
+                                        <p:cTn id="11" dur="1" fill="hold">
+                                          <p:stCondLst>
+                                            <p:cond delay="0"/>
+                                          </p:stCondLst>
+                                        </p:cTn>
+                                        <p:tgtEl>
+                                          <p:spTgt spid="10"/>
+                                        </p:tgtEl>
+                                        <p:attrNameLst>
+                                          <p:attrName>style.visibility</p:attrName>
+                                        </p:attrNameLst>
+                                      </p:cBhvr>
+                                      <p:to>
+                                        <p:strVal val="visible"/>
+                                      </p:to>
+                                    </p:set>
+                                    <p:animEffect transition="in" filter="fade">
+                                      <p:cBhvr>
+                                        <p:cTn id="12" dur="2000"/>
+                                        <p:tgtEl>
+                                          <p:spTgt spid="10"/>
+                                        </p:tgtEl>
+                                      </p:cBhvr>
+                                    </p:animEffect>
+                                    <p:anim calcmode="lin" valueType="num">
+                                      <p:cBhvr>
+                                        <p:cTn id="13" dur="2000" fill="hold"/>
+                                        <p:tgtEl>
+                                          <p:spTgt spid="10"/>
+                                        </p:tgtEl>
+                                        <p:attrNameLst>
+                                          <p:attrName>ppt_w</p:attrName>
+                                        </p:attrNameLst>
+                                      </p:cBhvr>
+                                      <p:tavLst>
+                                        <p:tav tm="0" fmla="#ppt_w*sin(2.5*pi*$)">
+                                          <p:val>
+                                            <p:fltVal val="0"/>
+                                          </p:val>
+                                        </p:tav>
+                                        <p:tav tm="100000">
+                                          <p:val>
+                                            <p:fltVal val="1"/>
+                                          </p:val>
+                                        </p:tav>
+                                      </p:tavLst>
+                                    </p:anim>
+                                    <p:anim calcmode="lin" valueType="num">
+                                      <p:cBhvr>
+                                        <p:cTn id="14" dur="2000" fill="hold"/>
+                                        <p:tgtEl>
+                                          <p:spTgt spid="10"/>
+                                        </p:tgtEl>
+                                        <p:attrNameLst>
+                                          <p:attrName>ppt_h</p:attrName>
+                                        </p:attrNameLst>
+                                      </p:cBhvr>
+                                      <p:tavLst>
+                                        <p:tav tm="0">
+                                          <p:val>
+                                            <p:strVal val="#ppt_h"/>
+                                          </p:val>
+                                        </p:tav>
+                                        <p:tav tm="100000">
+                                          <p:val>
+                                            <p:strVal val="#ppt_h"/>
+                                          </p:val>
+                                        </p:tav>
+                                      </p:tavLst>
+                                    </p:anim>
+                                  </p:childTnLst>
+                                </p:cTn>
+                              </p:par>
+                              <p:par>
+                                <p:cTn id="15" presetID="45" presetClass="entr" presetSubtype="0" fill="hold" nodeType="withEffect">
+                                  <p:stCondLst>
+                                    <p:cond delay="0"/>
+                                  </p:stCondLst>
+                                  <p:childTnLst>
+                                    <p:set>
+                                      <p:cBhvr>
+                                        <p:cTn id="16" dur="1" fill="hold">
+                                          <p:stCondLst>
+                                            <p:cond delay="0"/>
+                                          </p:stCondLst>
+                                        </p:cTn>
+                                        <p:tgtEl>
+                                          <p:spTgt spid="13"/>
+                                        </p:tgtEl>
+                                        <p:attrNameLst>
+                                          <p:attrName>style.visibility</p:attrName>
+                                        </p:attrNameLst>
+                                      </p:cBhvr>
+                                      <p:to>
+                                        <p:strVal val="visible"/>
+                                      </p:to>
+                                    </p:set>
+                                    <p:animEffect transition="in" filter="fade">
+                                      <p:cBhvr>
+                                        <p:cTn id="17" dur="2000"/>
+                                        <p:tgtEl>
+                                          <p:spTgt spid="13"/>
+                                        </p:tgtEl>
+                                      </p:cBhvr>
+                                    </p:animEffect>
+                                    <p:anim calcmode="lin" valueType="num">
+                                      <p:cBhvr>
+                                        <p:cTn id="18" dur="2000" fill="hold"/>
+                                        <p:tgtEl>
+                                          <p:spTgt spid="13"/>
+                                        </p:tgtEl>
+                                        <p:attrNameLst>
+                                          <p:attrName>ppt_w</p:attrName>
+                                        </p:attrNameLst>
+                                      </p:cBhvr>
+                                      <p:tavLst>
+                                        <p:tav tm="0" fmla="#ppt_w*sin(2.5*pi*$)">
+                                          <p:val>
+                                            <p:fltVal val="0"/>
+                                          </p:val>
+                                        </p:tav>
+                                        <p:tav tm="100000">
+                                          <p:val>
+                                            <p:fltVal val="1"/>
+                                          </p:val>
+                                        </p:tav>
+                                      </p:tavLst>
+                                    </p:anim>
+                                    <p:anim calcmode="lin" valueType="num">
+                                      <p:cBhvr>
                                         <p:cTn id="19" dur="2000" fill="hold"/>
                                         <p:tgtEl>
-                                          <p:spTgt spid="12"/>
+                                          <p:spTgt spid="13"/>
                                         </p:tgtEl>
                                         <p:attrNameLst>
                                           <p:attrName>ppt_h</p:attrName>
@@ -6706,7 +6738,7 @@
                                           </p:stCondLst>
                                         </p:cTn>
                                         <p:tgtEl>
-                                          <p:spTgt spid="10"/>
+                                          <p:spTgt spid="15"/>
                                         </p:tgtEl>
                                         <p:attrNameLst>
                                           <p:attrName>style.visibility</p:attrName>
@@ -6720,175 +6752,13 @@
                                       <p:cBhvr>
                                         <p:cTn id="22" dur="2000"/>
                                         <p:tgtEl>
-                                          <p:spTgt spid="10"/>
+                                          <p:spTgt spid="15"/>
                                         </p:tgtEl>
                                       </p:cBhvr>
                                     </p:animEffect>
                                     <p:anim calcmode="lin" valueType="num">
                                       <p:cBhvr>
                                         <p:cTn id="23" dur="2000" fill="hold"/>
-                                        <p:tgtEl>
-                                          <p:spTgt spid="10"/>
-                                        </p:tgtEl>
-                                        <p:attrNameLst>
-                                          <p:attrName>ppt_w</p:attrName>
-                                        </p:attrNameLst>
-                                      </p:cBhvr>
-                                      <p:tavLst>
-                                        <p:tav tm="0" fmla="#ppt_w*sin(2.5*pi*$)">
-                                          <p:val>
-                                            <p:fltVal val="0"/>
-                                          </p:val>
-                                        </p:tav>
-                                        <p:tav tm="100000">
-                                          <p:val>
-                                            <p:fltVal val="1"/>
-                                          </p:val>
-                                        </p:tav>
-                                      </p:tavLst>
-                                    </p:anim>
-                                    <p:anim calcmode="lin" valueType="num">
-                                      <p:cBhvr>
-                                        <p:cTn id="24" dur="2000" fill="hold"/>
-                                        <p:tgtEl>
-                                          <p:spTgt spid="10"/>
-                                        </p:tgtEl>
-                                        <p:attrNameLst>
-                                          <p:attrName>ppt_h</p:attrName>
-                                        </p:attrNameLst>
-                                      </p:cBhvr>
-                                      <p:tavLst>
-                                        <p:tav tm="0">
-                                          <p:val>
-                                            <p:strVal val="#ppt_h"/>
-                                          </p:val>
-                                        </p:tav>
-                                        <p:tav tm="100000">
-                                          <p:val>
-                                            <p:strVal val="#ppt_h"/>
-                                          </p:val>
-                                        </p:tav>
-                                      </p:tavLst>
-                                    </p:anim>
-                                  </p:childTnLst>
-                                </p:cTn>
-                              </p:par>
-                              <p:par>
-                                <p:cTn id="25" presetID="45" presetClass="entr" presetSubtype="0" fill="hold" nodeType="withEffect">
-                                  <p:stCondLst>
-                                    <p:cond delay="0"/>
-                                  </p:stCondLst>
-                                  <p:childTnLst>
-                                    <p:set>
-                                      <p:cBhvr>
-                                        <p:cTn id="26" dur="1" fill="hold">
-                                          <p:stCondLst>
-                                            <p:cond delay="0"/>
-                                          </p:stCondLst>
-                                        </p:cTn>
-                                        <p:tgtEl>
-                                          <p:spTgt spid="13"/>
-                                        </p:tgtEl>
-                                        <p:attrNameLst>
-                                          <p:attrName>style.visibility</p:attrName>
-                                        </p:attrNameLst>
-                                      </p:cBhvr>
-                                      <p:to>
-                                        <p:strVal val="visible"/>
-                                      </p:to>
-                                    </p:set>
-                                    <p:animEffect transition="in" filter="fade">
-                                      <p:cBhvr>
-                                        <p:cTn id="27" dur="2000"/>
-                                        <p:tgtEl>
-                                          <p:spTgt spid="13"/>
-                                        </p:tgtEl>
-                                      </p:cBhvr>
-                                    </p:animEffect>
-                                    <p:anim calcmode="lin" valueType="num">
-                                      <p:cBhvr>
-                                        <p:cTn id="28" dur="2000" fill="hold"/>
-                                        <p:tgtEl>
-                                          <p:spTgt spid="13"/>
-                                        </p:tgtEl>
-                                        <p:attrNameLst>
-                                          <p:attrName>ppt_w</p:attrName>
-                                        </p:attrNameLst>
-                                      </p:cBhvr>
-                                      <p:tavLst>
-                                        <p:tav tm="0" fmla="#ppt_w*sin(2.5*pi*$)">
-                                          <p:val>
-                                            <p:fltVal val="0"/>
-                                          </p:val>
-                                        </p:tav>
-                                        <p:tav tm="100000">
-                                          <p:val>
-                                            <p:fltVal val="1"/>
-                                          </p:val>
-                                        </p:tav>
-                                      </p:tavLst>
-                                    </p:anim>
-                                    <p:anim calcmode="lin" valueType="num">
-                                      <p:cBhvr>
-                                        <p:cTn id="29" dur="2000" fill="hold"/>
-                                        <p:tgtEl>
-                                          <p:spTgt spid="13"/>
-                                        </p:tgtEl>
-                                        <p:attrNameLst>
-                                          <p:attrName>ppt_h</p:attrName>
-                                        </p:attrNameLst>
-                                      </p:cBhvr>
-                                      <p:tavLst>
-                                        <p:tav tm="0">
-                                          <p:val>
-                                            <p:strVal val="#ppt_h"/>
-                                          </p:val>
-                                        </p:tav>
-                                        <p:tav tm="100000">
-                                          <p:val>
-                                            <p:strVal val="#ppt_h"/>
-                                          </p:val>
-                                        </p:tav>
-                                      </p:tavLst>
-                                    </p:anim>
-                                  </p:childTnLst>
-                                </p:cTn>
-                              </p:par>
-                              <p:par>
-                                <p:cTn id="30" presetID="45" presetClass="entr" presetSubtype="0" fill="hold" nodeType="withEffect">
-                                  <p:stCondLst>
-                                    <p:cond delay="0"/>
-                                  </p:stCondLst>
-                                  <p:childTnLst>
-                                    <p:set>
-                                      <p:cBhvr>
-                                        <p:cTn id="31" dur="1" fill="hold">
-                                          <p:stCondLst>
-                                            <p:cond delay="0"/>
-                                          </p:stCondLst>
-                                        </p:cTn>
-                                        <p:tgtEl>
-                                          <p:spTgt spid="15"/>
-                                        </p:tgtEl>
-                                        <p:attrNameLst>
-                                          <p:attrName>style.visibility</p:attrName>
-                                        </p:attrNameLst>
-                                      </p:cBhvr>
-                                      <p:to>
-                                        <p:strVal val="visible"/>
-                                      </p:to>
-                                    </p:set>
-                                    <p:animEffect transition="in" filter="fade">
-                                      <p:cBhvr>
-                                        <p:cTn id="32" dur="2000"/>
-                                        <p:tgtEl>
-                                          <p:spTgt spid="15"/>
-                                        </p:tgtEl>
-                                      </p:cBhvr>
-                                    </p:animEffect>
-                                    <p:anim calcmode="lin" valueType="num">
-                                      <p:cBhvr>
-                                        <p:cTn id="33" dur="2000" fill="hold"/>
                                         <p:tgtEl>
                                           <p:spTgt spid="15"/>
                                         </p:tgtEl>
@@ -6911,7 +6781,7 @@
                                     </p:anim>
                                     <p:anim calcmode="lin" valueType="num">
                                       <p:cBhvr>
-                                        <p:cTn id="34" dur="2000" fill="hold"/>
+                                        <p:cTn id="24" dur="2000" fill="hold"/>
                                         <p:tgtEl>
                                           <p:spTgt spid="15"/>
                                         </p:tgtEl>
@@ -6942,26 +6812,26 @@
                     </p:cTn>
                   </p:par>
                   <p:par>
-                    <p:cTn id="35" fill="hold">
+                    <p:cTn id="25" fill="hold">
                       <p:stCondLst>
                         <p:cond delay="indefinite"/>
                       </p:stCondLst>
                       <p:childTnLst>
                         <p:par>
-                          <p:cTn id="36" fill="hold">
+                          <p:cTn id="26" fill="hold">
                             <p:stCondLst>
                               <p:cond delay="0"/>
                             </p:stCondLst>
                             <p:childTnLst>
                               <p:par>
-                                <p:cTn id="37" presetID="1" presetClass="entr" presetSubtype="0" fill="hold" nodeType="clickEffect">
+                                <p:cTn id="27" presetID="1" presetClass="entr" presetSubtype="0" fill="hold" nodeType="clickEffect">
                                   <p:stCondLst>
                                     <p:cond delay="0"/>
                                   </p:stCondLst>
                                   <p:childTnLst>
                                     <p:set>
                                       <p:cBhvr>
-                                        <p:cTn id="38" dur="1" fill="hold">
+                                        <p:cTn id="28" dur="1" fill="hold">
                                           <p:stCondLst>
                                             <p:cond delay="0"/>
                                           </p:stCondLst>
@@ -6981,14 +6851,14 @@
                                 </p:cTn>
                               </p:par>
                               <p:par>
-                                <p:cTn id="39" presetID="1" presetClass="entr" presetSubtype="0" fill="hold" nodeType="withEffect">
+                                <p:cTn id="29" presetID="1" presetClass="entr" presetSubtype="0" fill="hold" nodeType="withEffect">
                                   <p:stCondLst>
                                     <p:cond delay="0"/>
                                   </p:stCondLst>
                                   <p:childTnLst>
                                     <p:set>
                                       <p:cBhvr>
-                                        <p:cTn id="40" dur="1" fill="hold">
+                                        <p:cTn id="30" dur="1" fill="hold">
                                           <p:stCondLst>
                                             <p:cond delay="0"/>
                                           </p:stCondLst>
@@ -7008,14 +6878,14 @@
                                 </p:cTn>
                               </p:par>
                               <p:par>
-                                <p:cTn id="41" presetID="1" presetClass="entr" presetSubtype="0" fill="hold" nodeType="withEffect">
+                                <p:cTn id="31" presetID="1" presetClass="entr" presetSubtype="0" fill="hold" nodeType="withEffect">
                                   <p:stCondLst>
                                     <p:cond delay="0"/>
                                   </p:stCondLst>
                                   <p:childTnLst>
                                     <p:set>
                                       <p:cBhvr>
-                                        <p:cTn id="42" dur="1" fill="hold">
+                                        <p:cTn id="32" dur="1" fill="hold">
                                           <p:stCondLst>
                                             <p:cond delay="0"/>
                                           </p:stCondLst>
@@ -7035,14 +6905,14 @@
                                 </p:cTn>
                               </p:par>
                               <p:par>
-                                <p:cTn id="43" presetID="1" presetClass="entr" presetSubtype="0" fill="hold" nodeType="withEffect">
+                                <p:cTn id="33" presetID="1" presetClass="entr" presetSubtype="0" fill="hold" nodeType="withEffect">
                                   <p:stCondLst>
                                     <p:cond delay="0"/>
                                   </p:stCondLst>
                                   <p:childTnLst>
                                     <p:set>
                                       <p:cBhvr>
-                                        <p:cTn id="44" dur="1" fill="hold">
+                                        <p:cTn id="34" dur="1" fill="hold">
                                           <p:stCondLst>
                                             <p:cond delay="0"/>
                                           </p:stCondLst>
@@ -7109,47 +6979,9 @@
           <a:chExt cx="0" cy="0"/>
         </a:xfrm>
       </p:grpSpPr>
-      <p:sp>
-        <p:nvSpPr>
-          <p:cNvPr id="2" name="标题 1"/>
-          <p:cNvSpPr>
-            <a:spLocks noGrp="1"/>
-          </p:cNvSpPr>
-          <p:nvPr>
-            <p:ph type="ctrTitle"/>
-          </p:nvPr>
-        </p:nvSpPr>
-        <p:spPr/>
-        <p:txBody>
-          <a:bodyPr/>
-          <a:lstStyle/>
-          <a:p>
-            <a:endParaRPr lang="zh-CN" altLang="en-US"/>
-          </a:p>
-        </p:txBody>
-      </p:sp>
-      <p:sp>
-        <p:nvSpPr>
-          <p:cNvPr id="3" name="副标题 2"/>
-          <p:cNvSpPr>
-            <a:spLocks noGrp="1"/>
-          </p:cNvSpPr>
-          <p:nvPr>
-            <p:ph type="subTitle" idx="1"/>
-          </p:nvPr>
-        </p:nvSpPr>
-        <p:spPr/>
-        <p:txBody>
-          <a:bodyPr/>
-          <a:lstStyle/>
-          <a:p>
-            <a:endParaRPr lang="zh-CN" altLang="en-US"/>
-          </a:p>
-        </p:txBody>
-      </p:sp>
       <p:pic>
         <p:nvPicPr>
-          <p:cNvPr id="4" name="图片 3"/>
+          <p:cNvPr id="25" name="图片 24"/>
           <p:cNvPicPr>
             <a:picLocks noChangeAspect="1"/>
           </p:cNvPicPr>
@@ -7169,8 +7001,8 @@
         </p:blipFill>
         <p:spPr>
           <a:xfrm>
-            <a:off x="0" y="-24687"/>
-            <a:ext cx="12192000" cy="6967457"/>
+            <a:off x="0" y="0"/>
+            <a:ext cx="12192000" cy="6858000"/>
           </a:xfrm>
           <a:prstGeom prst="rect">
             <a:avLst/>
@@ -7743,156 +7575,7 @@
   <p:timing>
     <p:tnLst>
       <p:par>
-        <p:cTn id="1" dur="indefinite" restart="never" nodeType="tmRoot">
-          <p:childTnLst>
-            <p:seq concurrent="1" nextAc="seek">
-              <p:cTn id="2" dur="indefinite" nodeType="mainSeq">
-                <p:childTnLst>
-                  <p:par>
-                    <p:cTn id="3" fill="hold">
-                      <p:stCondLst>
-                        <p:cond delay="indefinite"/>
-                      </p:stCondLst>
-                      <p:childTnLst>
-                        <p:par>
-                          <p:cTn id="4" fill="hold">
-                            <p:stCondLst>
-                              <p:cond delay="0"/>
-                            </p:stCondLst>
-                            <p:childTnLst>
-                              <p:par>
-                                <p:cTn id="5" presetID="1" presetClass="entr" presetSubtype="0" fill="hold" nodeType="clickEffect">
-                                  <p:stCondLst>
-                                    <p:cond delay="0"/>
-                                  </p:stCondLst>
-                                  <p:childTnLst>
-                                    <p:set>
-                                      <p:cBhvr>
-                                        <p:cTn id="6" dur="1" fill="hold">
-                                          <p:stCondLst>
-                                            <p:cond delay="0"/>
-                                          </p:stCondLst>
-                                        </p:cTn>
-                                        <p:tgtEl>
-                                          <p:spTgt spid="19"/>
-                                        </p:tgtEl>
-                                        <p:attrNameLst>
-                                          <p:attrName>style.visibility</p:attrName>
-                                        </p:attrNameLst>
-                                      </p:cBhvr>
-                                      <p:to>
-                                        <p:strVal val="visible"/>
-                                      </p:to>
-                                    </p:set>
-                                  </p:childTnLst>
-                                </p:cTn>
-                              </p:par>
-                              <p:par>
-                                <p:cTn id="7" presetID="1" presetClass="entr" presetSubtype="0" fill="hold" nodeType="withEffect">
-                                  <p:stCondLst>
-                                    <p:cond delay="0"/>
-                                  </p:stCondLst>
-                                  <p:childTnLst>
-                                    <p:set>
-                                      <p:cBhvr>
-                                        <p:cTn id="8" dur="1" fill="hold">
-                                          <p:stCondLst>
-                                            <p:cond delay="0"/>
-                                          </p:stCondLst>
-                                        </p:cTn>
-                                        <p:tgtEl>
-                                          <p:spTgt spid="20"/>
-                                        </p:tgtEl>
-                                        <p:attrNameLst>
-                                          <p:attrName>style.visibility</p:attrName>
-                                        </p:attrNameLst>
-                                      </p:cBhvr>
-                                      <p:to>
-                                        <p:strVal val="visible"/>
-                                      </p:to>
-                                    </p:set>
-                                  </p:childTnLst>
-                                </p:cTn>
-                              </p:par>
-                              <p:par>
-                                <p:cTn id="9" presetID="1" presetClass="entr" presetSubtype="0" fill="hold" nodeType="withEffect">
-                                  <p:stCondLst>
-                                    <p:cond delay="0"/>
-                                  </p:stCondLst>
-                                  <p:childTnLst>
-                                    <p:set>
-                                      <p:cBhvr>
-                                        <p:cTn id="10" dur="1" fill="hold">
-                                          <p:stCondLst>
-                                            <p:cond delay="0"/>
-                                          </p:stCondLst>
-                                        </p:cTn>
-                                        <p:tgtEl>
-                                          <p:spTgt spid="26"/>
-                                        </p:tgtEl>
-                                        <p:attrNameLst>
-                                          <p:attrName>style.visibility</p:attrName>
-                                        </p:attrNameLst>
-                                      </p:cBhvr>
-                                      <p:to>
-                                        <p:strVal val="visible"/>
-                                      </p:to>
-                                    </p:set>
-                                  </p:childTnLst>
-                                </p:cTn>
-                              </p:par>
-                              <p:par>
-                                <p:cTn id="11" presetID="1" presetClass="entr" presetSubtype="0" fill="hold" nodeType="withEffect">
-                                  <p:stCondLst>
-                                    <p:cond delay="0"/>
-                                  </p:stCondLst>
-                                  <p:childTnLst>
-                                    <p:set>
-                                      <p:cBhvr>
-                                        <p:cTn id="12" dur="1" fill="hold">
-                                          <p:stCondLst>
-                                            <p:cond delay="0"/>
-                                          </p:stCondLst>
-                                        </p:cTn>
-                                        <p:tgtEl>
-                                          <p:spTgt spid="23"/>
-                                        </p:tgtEl>
-                                        <p:attrNameLst>
-                                          <p:attrName>style.visibility</p:attrName>
-                                        </p:attrNameLst>
-                                      </p:cBhvr>
-                                      <p:to>
-                                        <p:strVal val="visible"/>
-                                      </p:to>
-                                    </p:set>
-                                  </p:childTnLst>
-                                </p:cTn>
-                              </p:par>
-                            </p:childTnLst>
-                          </p:cTn>
-                        </p:par>
-                      </p:childTnLst>
-                    </p:cTn>
-                  </p:par>
-                </p:childTnLst>
-              </p:cTn>
-              <p:prevCondLst>
-                <p:cond evt="onPrev" delay="0">
-                  <p:tgtEl>
-                    <p:sldTgt/>
-                  </p:tgtEl>
-                </p:cond>
-              </p:prevCondLst>
-              <p:nextCondLst>
-                <p:cond evt="onNext" delay="0">
-                  <p:tgtEl>
-                    <p:sldTgt/>
-                  </p:tgtEl>
-                </p:cond>
-              </p:nextCondLst>
-            </p:seq>
-          </p:childTnLst>
-        </p:cTn>
+        <p:cTn id="1" dur="indefinite" restart="never" nodeType="tmRoot"/>
       </p:par>
     </p:tnLst>
   </p:timing>
@@ -7918,7 +7601,7 @@
       </p:grpSpPr>
       <p:pic>
         <p:nvPicPr>
-          <p:cNvPr id="4" name="图片 3"/>
+          <p:cNvPr id="29" name="图片 28"/>
           <p:cNvPicPr>
             <a:picLocks noChangeAspect="1"/>
           </p:cNvPicPr>
@@ -7939,7 +7622,7 @@
         <p:spPr>
           <a:xfrm>
             <a:off x="0" y="0"/>
-            <a:ext cx="12192000" cy="6967457"/>
+            <a:ext cx="12192000" cy="6858000"/>
           </a:xfrm>
           <a:prstGeom prst="rect">
             <a:avLst/>
@@ -8043,9 +7726,9 @@
           <p:nvPr/>
         </p:nvCxnSpPr>
         <p:spPr>
-          <a:xfrm flipV="1">
-            <a:off x="5951147" y="3660958"/>
-            <a:ext cx="3841863" cy="28967"/>
+          <a:xfrm>
+            <a:off x="5951147" y="3689926"/>
+            <a:ext cx="3841862" cy="83242"/>
           </a:xfrm>
           <a:prstGeom prst="line">
             <a:avLst/>
@@ -8696,7 +8379,7 @@
                             </p:stCondLst>
                             <p:childTnLst>
                               <p:par>
-                                <p:cTn id="5" presetID="1" presetClass="entr" presetSubtype="0" fill="hold" nodeType="clickEffect">
+                                <p:cTn id="5" presetID="10" presetClass="entr" presetSubtype="0" fill="hold" grpId="3" nodeType="clickEffect">
                                   <p:stCondLst>
                                     <p:cond delay="0"/>
                                   </p:stCondLst>
@@ -8704,132 +8387,6 @@
                                     <p:set>
                                       <p:cBhvr>
                                         <p:cTn id="6" dur="1" fill="hold">
-                                          <p:stCondLst>
-                                            <p:cond delay="0"/>
-                                          </p:stCondLst>
-                                        </p:cTn>
-                                        <p:tgtEl>
-                                          <p:spTgt spid="19"/>
-                                        </p:tgtEl>
-                                        <p:attrNameLst>
-                                          <p:attrName>style.visibility</p:attrName>
-                                        </p:attrNameLst>
-                                      </p:cBhvr>
-                                      <p:to>
-                                        <p:strVal val="visible"/>
-                                      </p:to>
-                                    </p:set>
-                                  </p:childTnLst>
-                                </p:cTn>
-                              </p:par>
-                              <p:par>
-                                <p:cTn id="7" presetID="1" presetClass="entr" presetSubtype="0" fill="hold" nodeType="withEffect">
-                                  <p:stCondLst>
-                                    <p:cond delay="0"/>
-                                  </p:stCondLst>
-                                  <p:childTnLst>
-                                    <p:set>
-                                      <p:cBhvr>
-                                        <p:cTn id="8" dur="1" fill="hold">
-                                          <p:stCondLst>
-                                            <p:cond delay="0"/>
-                                          </p:stCondLst>
-                                        </p:cTn>
-                                        <p:tgtEl>
-                                          <p:spTgt spid="20"/>
-                                        </p:tgtEl>
-                                        <p:attrNameLst>
-                                          <p:attrName>style.visibility</p:attrName>
-                                        </p:attrNameLst>
-                                      </p:cBhvr>
-                                      <p:to>
-                                        <p:strVal val="visible"/>
-                                      </p:to>
-                                    </p:set>
-                                  </p:childTnLst>
-                                </p:cTn>
-                              </p:par>
-                              <p:par>
-                                <p:cTn id="9" presetID="1" presetClass="entr" presetSubtype="0" fill="hold" nodeType="withEffect">
-                                  <p:stCondLst>
-                                    <p:cond delay="0"/>
-                                  </p:stCondLst>
-                                  <p:childTnLst>
-                                    <p:set>
-                                      <p:cBhvr>
-                                        <p:cTn id="10" dur="1" fill="hold">
-                                          <p:stCondLst>
-                                            <p:cond delay="0"/>
-                                          </p:stCondLst>
-                                        </p:cTn>
-                                        <p:tgtEl>
-                                          <p:spTgt spid="26"/>
-                                        </p:tgtEl>
-                                        <p:attrNameLst>
-                                          <p:attrName>style.visibility</p:attrName>
-                                        </p:attrNameLst>
-                                      </p:cBhvr>
-                                      <p:to>
-                                        <p:strVal val="visible"/>
-                                      </p:to>
-                                    </p:set>
-                                  </p:childTnLst>
-                                </p:cTn>
-                              </p:par>
-                              <p:par>
-                                <p:cTn id="11" presetID="1" presetClass="entr" presetSubtype="0" fill="hold" nodeType="withEffect">
-                                  <p:stCondLst>
-                                    <p:cond delay="0"/>
-                                  </p:stCondLst>
-                                  <p:childTnLst>
-                                    <p:set>
-                                      <p:cBhvr>
-                                        <p:cTn id="12" dur="1" fill="hold">
-                                          <p:stCondLst>
-                                            <p:cond delay="0"/>
-                                          </p:stCondLst>
-                                        </p:cTn>
-                                        <p:tgtEl>
-                                          <p:spTgt spid="23"/>
-                                        </p:tgtEl>
-                                        <p:attrNameLst>
-                                          <p:attrName>style.visibility</p:attrName>
-                                        </p:attrNameLst>
-                                      </p:cBhvr>
-                                      <p:to>
-                                        <p:strVal val="visible"/>
-                                      </p:to>
-                                    </p:set>
-                                  </p:childTnLst>
-                                </p:cTn>
-                              </p:par>
-                            </p:childTnLst>
-                          </p:cTn>
-                        </p:par>
-                      </p:childTnLst>
-                    </p:cTn>
-                  </p:par>
-                  <p:par>
-                    <p:cTn id="13" fill="hold">
-                      <p:stCondLst>
-                        <p:cond delay="indefinite"/>
-                      </p:stCondLst>
-                      <p:childTnLst>
-                        <p:par>
-                          <p:cTn id="14" fill="hold">
-                            <p:stCondLst>
-                              <p:cond delay="0"/>
-                            </p:stCondLst>
-                            <p:childTnLst>
-                              <p:par>
-                                <p:cTn id="15" presetID="10" presetClass="entr" presetSubtype="0" fill="hold" grpId="3" nodeType="clickEffect">
-                                  <p:stCondLst>
-                                    <p:cond delay="0"/>
-                                  </p:stCondLst>
-                                  <p:childTnLst>
-                                    <p:set>
-                                      <p:cBhvr>
-                                        <p:cTn id="16" dur="1" fill="hold">
                                           <p:stCondLst>
                                             <p:cond delay="0"/>
                                           </p:stCondLst>
@@ -8847,7 +8404,7 @@
                                     </p:set>
                                     <p:animEffect transition="in" filter="fade">
                                       <p:cBhvr>
-                                        <p:cTn id="17" dur="500"/>
+                                        <p:cTn id="7" dur="500"/>
                                         <p:tgtEl>
                                           <p:spTgt spid="25"/>
                                         </p:tgtEl>
@@ -8857,14 +8414,14 @@
                                 </p:cTn>
                               </p:par>
                               <p:par>
-                                <p:cTn id="18" presetID="10" presetClass="entr" presetSubtype="0" fill="hold" grpId="3" nodeType="withEffect">
+                                <p:cTn id="8" presetID="10" presetClass="entr" presetSubtype="0" fill="hold" grpId="3" nodeType="withEffect">
                                   <p:stCondLst>
                                     <p:cond delay="0"/>
                                   </p:stCondLst>
                                   <p:childTnLst>
                                     <p:set>
                                       <p:cBhvr>
-                                        <p:cTn id="19" dur="1" fill="hold">
+                                        <p:cTn id="9" dur="1" fill="hold">
                                           <p:stCondLst>
                                             <p:cond delay="0"/>
                                           </p:stCondLst>
@@ -8882,7 +8439,7 @@
                                     </p:set>
                                     <p:animEffect transition="in" filter="fade">
                                       <p:cBhvr>
-                                        <p:cTn id="20" dur="500"/>
+                                        <p:cTn id="10" dur="500"/>
                                         <p:tgtEl>
                                           <p:spTgt spid="28"/>
                                         </p:tgtEl>
@@ -8895,20 +8452,20 @@
                           </p:cTn>
                         </p:par>
                         <p:par>
-                          <p:cTn id="21" fill="hold">
+                          <p:cTn id="11" fill="hold">
                             <p:stCondLst>
                               <p:cond delay="500"/>
                             </p:stCondLst>
                             <p:childTnLst>
                               <p:par>
-                                <p:cTn id="22" presetID="0" presetClass="path" presetSubtype="0" accel="50000" decel="50000" fill="hold" grpId="2" nodeType="afterEffect">
+                                <p:cTn id="12" presetID="0" presetClass="path" presetSubtype="0" accel="50000" decel="50000" fill="hold" grpId="2" nodeType="afterEffect">
                                   <p:stCondLst>
                                     <p:cond delay="0"/>
                                   </p:stCondLst>
                                   <p:childTnLst>
                                     <p:animMotion origin="layout" path="M 4.16667E-6 -4.07407E-6 L -0.1517 0.0301 " pathEditMode="relative" rAng="0" ptsTypes="AA">
                                       <p:cBhvr>
-                                        <p:cTn id="23" dur="2000" fill="hold"/>
+                                        <p:cTn id="13" dur="2000" fill="hold"/>
                                         <p:tgtEl>
                                           <p:spTgt spid="25"/>
                                         </p:tgtEl>
@@ -8923,14 +8480,14 @@
                                 </p:cTn>
                               </p:par>
                               <p:par>
-                                <p:cTn id="24" presetID="0" presetClass="path" presetSubtype="0" accel="50000" decel="50000" fill="hold" grpId="2" nodeType="withEffect">
+                                <p:cTn id="14" presetID="0" presetClass="path" presetSubtype="0" accel="50000" decel="50000" fill="hold" grpId="2" nodeType="withEffect">
                                   <p:stCondLst>
                                     <p:cond delay="0"/>
                                   </p:stCondLst>
                                   <p:childTnLst>
                                     <p:animMotion origin="layout" path="M 3.33333E-6 1.48148E-6 L -0.07383 0.12662 " pathEditMode="relative" rAng="0" ptsTypes="AA">
                                       <p:cBhvr>
-                                        <p:cTn id="25" dur="2000" fill="hold"/>
+                                        <p:cTn id="15" dur="2000" fill="hold"/>
                                         <p:tgtEl>
                                           <p:spTgt spid="28"/>
                                         </p:tgtEl>
@@ -8945,14 +8502,14 @@
                                 </p:cTn>
                               </p:par>
                               <p:par>
-                                <p:cTn id="26" presetID="0" presetClass="path" presetSubtype="0" accel="50000" decel="50000" fill="hold" nodeType="withEffect">
+                                <p:cTn id="16" presetID="0" presetClass="path" presetSubtype="0" accel="50000" decel="50000" fill="hold" nodeType="withEffect">
                                   <p:stCondLst>
                                     <p:cond delay="0"/>
                                   </p:stCondLst>
                                   <p:childTnLst>
                                     <p:animMotion origin="layout" path="M -4.16667E-6 -4.44444E-6 L -0.07291 -0.06296 " pathEditMode="relative" rAng="0" ptsTypes="AA">
                                       <p:cBhvr>
-                                        <p:cTn id="27" dur="2000" fill="hold"/>
+                                        <p:cTn id="17" dur="2000" fill="hold"/>
                                         <p:tgtEl>
                                           <p:spTgt spid="26"/>
                                         </p:tgtEl>
@@ -8967,14 +8524,14 @@
                                 </p:cTn>
                               </p:par>
                               <p:par>
-                                <p:cTn id="28" presetID="0" presetClass="path" presetSubtype="0" accel="50000" decel="50000" fill="hold" nodeType="withEffect">
+                                <p:cTn id="18" presetID="0" presetClass="path" presetSubtype="0" accel="50000" decel="50000" fill="hold" nodeType="withEffect">
                                   <p:stCondLst>
                                     <p:cond delay="0"/>
                                   </p:stCondLst>
                                   <p:childTnLst>
                                     <p:animMotion origin="layout" path="M 0.00599 -0.00671 L -0.10157 0.14213 " pathEditMode="relative" ptsTypes="AA">
                                       <p:cBhvr>
-                                        <p:cTn id="29" dur="2000" fill="hold"/>
+                                        <p:cTn id="19" dur="2000" fill="hold"/>
                                         <p:tgtEl>
                                           <p:spTgt spid="20"/>
                                         </p:tgtEl>
@@ -8988,14 +8545,14 @@
                                 </p:cTn>
                               </p:par>
                               <p:par>
-                                <p:cTn id="30" presetID="0" presetClass="path" presetSubtype="0" accel="50000" decel="50000" fill="hold" nodeType="withEffect">
+                                <p:cTn id="20" presetID="0" presetClass="path" presetSubtype="0" accel="50000" decel="50000" fill="hold" nodeType="withEffect">
                                   <p:stCondLst>
                                     <p:cond delay="0"/>
                                   </p:stCondLst>
                                   <p:childTnLst>
                                     <p:animMotion origin="layout" path="M 0.00143 0.00949 L -0.29206 0.0713 " pathEditMode="relative" ptsTypes="AA">
                                       <p:cBhvr>
-                                        <p:cTn id="31" dur="2000" fill="hold"/>
+                                        <p:cTn id="21" dur="2000" fill="hold"/>
                                         <p:tgtEl>
                                           <p:spTgt spid="23"/>
                                         </p:tgtEl>
@@ -9009,14 +8566,14 @@
                                 </p:cTn>
                               </p:par>
                               <p:par>
-                                <p:cTn id="32" presetID="0" presetClass="path" presetSubtype="0" accel="50000" decel="50000" fill="hold" nodeType="withEffect">
+                                <p:cTn id="22" presetID="0" presetClass="path" presetSubtype="0" accel="50000" decel="50000" fill="hold" nodeType="withEffect">
                                   <p:stCondLst>
                                     <p:cond delay="0"/>
                                   </p:stCondLst>
                                   <p:childTnLst>
                                     <p:animMotion origin="layout" path="M -0.0026 0.0007 L 0.15729 0.01042 " pathEditMode="relative" ptsTypes="AA">
                                       <p:cBhvr>
-                                        <p:cTn id="33" dur="2000" fill="hold"/>
+                                        <p:cTn id="23" dur="2000" fill="hold"/>
                                         <p:tgtEl>
                                           <p:spTgt spid="19"/>
                                         </p:tgtEl>
